--- a/docs/Plantilla Póster Proyectos y Prototipos Ingeniería.jpg.pptx
+++ b/docs/Plantilla Póster Proyectos y Prototipos Ingeniería.jpg.pptx
@@ -304,7 +304,7 @@
           <a:p>
             <a:fld id="{72DF6AA1-5D94-4102-AEB6-7EC5D7BB0B2D}" type="datetimeFigureOut">
               <a:rPr lang="es-CO" smtClean="0"/>
-              <a:t>19/08/2021</a:t>
+              <a:t>23/08/2021</a:t>
             </a:fld>
             <a:endParaRPr lang="es-CO"/>
           </a:p>
@@ -474,7 +474,7 @@
           <a:p>
             <a:fld id="{72DF6AA1-5D94-4102-AEB6-7EC5D7BB0B2D}" type="datetimeFigureOut">
               <a:rPr lang="es-CO" smtClean="0"/>
-              <a:t>19/08/2021</a:t>
+              <a:t>23/08/2021</a:t>
             </a:fld>
             <a:endParaRPr lang="es-CO"/>
           </a:p>
@@ -654,7 +654,7 @@
           <a:p>
             <a:fld id="{72DF6AA1-5D94-4102-AEB6-7EC5D7BB0B2D}" type="datetimeFigureOut">
               <a:rPr lang="es-CO" smtClean="0"/>
-              <a:t>19/08/2021</a:t>
+              <a:t>23/08/2021</a:t>
             </a:fld>
             <a:endParaRPr lang="es-CO"/>
           </a:p>
@@ -824,7 +824,7 @@
           <a:p>
             <a:fld id="{72DF6AA1-5D94-4102-AEB6-7EC5D7BB0B2D}" type="datetimeFigureOut">
               <a:rPr lang="es-CO" smtClean="0"/>
-              <a:t>19/08/2021</a:t>
+              <a:t>23/08/2021</a:t>
             </a:fld>
             <a:endParaRPr lang="es-CO"/>
           </a:p>
@@ -1068,7 +1068,7 @@
           <a:p>
             <a:fld id="{72DF6AA1-5D94-4102-AEB6-7EC5D7BB0B2D}" type="datetimeFigureOut">
               <a:rPr lang="es-CO" smtClean="0"/>
-              <a:t>19/08/2021</a:t>
+              <a:t>23/08/2021</a:t>
             </a:fld>
             <a:endParaRPr lang="es-CO"/>
           </a:p>
@@ -1300,7 +1300,7 @@
           <a:p>
             <a:fld id="{72DF6AA1-5D94-4102-AEB6-7EC5D7BB0B2D}" type="datetimeFigureOut">
               <a:rPr lang="es-CO" smtClean="0"/>
-              <a:t>19/08/2021</a:t>
+              <a:t>23/08/2021</a:t>
             </a:fld>
             <a:endParaRPr lang="es-CO"/>
           </a:p>
@@ -1667,7 +1667,7 @@
           <a:p>
             <a:fld id="{72DF6AA1-5D94-4102-AEB6-7EC5D7BB0B2D}" type="datetimeFigureOut">
               <a:rPr lang="es-CO" smtClean="0"/>
-              <a:t>19/08/2021</a:t>
+              <a:t>23/08/2021</a:t>
             </a:fld>
             <a:endParaRPr lang="es-CO"/>
           </a:p>
@@ -1785,7 +1785,7 @@
           <a:p>
             <a:fld id="{72DF6AA1-5D94-4102-AEB6-7EC5D7BB0B2D}" type="datetimeFigureOut">
               <a:rPr lang="es-CO" smtClean="0"/>
-              <a:t>19/08/2021</a:t>
+              <a:t>23/08/2021</a:t>
             </a:fld>
             <a:endParaRPr lang="es-CO"/>
           </a:p>
@@ -1880,7 +1880,7 @@
           <a:p>
             <a:fld id="{72DF6AA1-5D94-4102-AEB6-7EC5D7BB0B2D}" type="datetimeFigureOut">
               <a:rPr lang="es-CO" smtClean="0"/>
-              <a:t>19/08/2021</a:t>
+              <a:t>23/08/2021</a:t>
             </a:fld>
             <a:endParaRPr lang="es-CO"/>
           </a:p>
@@ -2157,7 +2157,7 @@
           <a:p>
             <a:fld id="{72DF6AA1-5D94-4102-AEB6-7EC5D7BB0B2D}" type="datetimeFigureOut">
               <a:rPr lang="es-CO" smtClean="0"/>
-              <a:t>19/08/2021</a:t>
+              <a:t>23/08/2021</a:t>
             </a:fld>
             <a:endParaRPr lang="es-CO"/>
           </a:p>
@@ -2414,7 +2414,7 @@
           <a:p>
             <a:fld id="{72DF6AA1-5D94-4102-AEB6-7EC5D7BB0B2D}" type="datetimeFigureOut">
               <a:rPr lang="es-CO" smtClean="0"/>
-              <a:t>19/08/2021</a:t>
+              <a:t>23/08/2021</a:t>
             </a:fld>
             <a:endParaRPr lang="es-CO"/>
           </a:p>
@@ -2627,7 +2627,7 @@
           <a:p>
             <a:fld id="{72DF6AA1-5D94-4102-AEB6-7EC5D7BB0B2D}" type="datetimeFigureOut">
               <a:rPr lang="es-CO" smtClean="0"/>
-              <a:t>19/08/2021</a:t>
+              <a:t>23/08/2021</a:t>
             </a:fld>
             <a:endParaRPr lang="es-CO"/>
           </a:p>
@@ -3239,7 +3239,7 @@
         </p:nvSpPr>
         <p:spPr>
           <a:xfrm>
-            <a:off x="26125499" y="1100442"/>
+            <a:off x="26043611" y="940492"/>
             <a:ext cx="1370431" cy="1370431"/>
           </a:xfrm>
           <a:prstGeom prst="ellipse">
@@ -4830,6 +4830,65 @@
           </a:p>
         </p:txBody>
       </p:sp>
+      <p:pic>
+        <p:nvPicPr>
+          <p:cNvPr id="5" name="Imagen 4" descr="Una persona con una camisa azul&#10;&#10;Descripción generada automáticamente">
+            <a:extLst>
+              <a:ext uri="{FF2B5EF4-FFF2-40B4-BE49-F238E27FC236}">
+                <a16:creationId xmlns:a16="http://schemas.microsoft.com/office/drawing/2014/main" id="{C0DC3444-B070-4AE7-9B96-AA41D55F98F6}"/>
+              </a:ext>
+            </a:extLst>
+          </p:cNvPr>
+          <p:cNvPicPr>
+            <a:picLocks noChangeAspect="1"/>
+          </p:cNvPicPr>
+          <p:nvPr/>
+        </p:nvPicPr>
+        <p:blipFill rotWithShape="1">
+          <a:blip r:embed="rId8">
+            <a:extLst>
+              <a:ext uri="{28A0092B-C50C-407E-A947-70E740481C1C}">
+                <a14:useLocalDpi xmlns:a14="http://schemas.microsoft.com/office/drawing/2010/main" val="0"/>
+              </a:ext>
+            </a:extLst>
+          </a:blip>
+          <a:srcRect t="-806"/>
+          <a:stretch/>
+        </p:blipFill>
+        <p:spPr>
+          <a:xfrm>
+            <a:off x="25944026" y="873944"/>
+            <a:ext cx="1569600" cy="1476249"/>
+          </a:xfrm>
+          <a:prstGeom prst="ellipse">
+            <a:avLst/>
+          </a:prstGeom>
+          <a:ln w="63500" cap="rnd">
+            <a:solidFill>
+              <a:srgbClr val="333333"/>
+            </a:solidFill>
+          </a:ln>
+          <a:effectLst>
+            <a:outerShdw blurRad="381000" dist="292100" dir="5400000" sx="-80000" sy="-18000" rotWithShape="0">
+              <a:srgbClr val="000000">
+                <a:alpha val="22000"/>
+              </a:srgbClr>
+            </a:outerShdw>
+          </a:effectLst>
+          <a:scene3d>
+            <a:camera prst="orthographicFront"/>
+            <a:lightRig rig="contrasting" dir="t">
+              <a:rot lat="0" lon="0" rev="3000000"/>
+            </a:lightRig>
+          </a:scene3d>
+          <a:sp3d contourW="7620">
+            <a:bevelT w="95250" h="31750"/>
+            <a:contourClr>
+              <a:srgbClr val="333333"/>
+            </a:contourClr>
+          </a:sp3d>
+        </p:spPr>
+      </p:pic>
     </p:spTree>
     <p:extLst>
       <p:ext uri="{BB962C8B-B14F-4D97-AF65-F5344CB8AC3E}">
